--- a/Apresentação/Apresentação_baixo_nive_V1.pptx
+++ b/Apresentação/Apresentação_baixo_nive_V1.pptx
@@ -238,7 +238,7 @@
           <a:p>
             <a:fld id="{89C7F727-4029-4B80-A2E6-9EA504674373}" type="datetimeFigureOut">
               <a:rPr lang="pt-BR" smtClean="0"/>
-              <a:t>28/02/2017</a:t>
+              <a:t>01/03/2017</a:t>
             </a:fld>
             <a:endParaRPr lang="pt-BR"/>
           </a:p>
@@ -634,7 +634,7 @@
           <a:p>
             <a:fld id="{652B4626-5D26-45C6-8A17-16E3D3AE243C}" type="datetime1">
               <a:rPr lang="pt-BR" smtClean="0"/>
-              <a:t>28/02/2017</a:t>
+              <a:t>01/03/2017</a:t>
             </a:fld>
             <a:endParaRPr lang="pt-BR"/>
           </a:p>
@@ -802,7 +802,7 @@
           <a:p>
             <a:fld id="{5C8AD72A-8732-43BA-A5E3-991975487EAC}" type="datetime1">
               <a:rPr lang="pt-BR" smtClean="0"/>
-              <a:t>28/02/2017</a:t>
+              <a:t>01/03/2017</a:t>
             </a:fld>
             <a:endParaRPr lang="pt-BR"/>
           </a:p>
@@ -980,7 +980,7 @@
           <a:p>
             <a:fld id="{9E8DBD37-5429-49DA-9C61-63BD5F5A951F}" type="datetime1">
               <a:rPr lang="pt-BR" smtClean="0"/>
-              <a:t>28/02/2017</a:t>
+              <a:t>01/03/2017</a:t>
             </a:fld>
             <a:endParaRPr lang="pt-BR"/>
           </a:p>
@@ -1148,7 +1148,7 @@
           <a:p>
             <a:fld id="{4A468532-1358-4AAB-97D1-3956A336FCD8}" type="datetime1">
               <a:rPr lang="pt-BR" smtClean="0"/>
-              <a:t>28/02/2017</a:t>
+              <a:t>01/03/2017</a:t>
             </a:fld>
             <a:endParaRPr lang="pt-BR"/>
           </a:p>
@@ -1393,7 +1393,7 @@
           <a:p>
             <a:fld id="{D0B7D8FB-E30B-4E63-A15F-F7E0EAA24EDF}" type="datetime1">
               <a:rPr lang="pt-BR" smtClean="0"/>
-              <a:t>28/02/2017</a:t>
+              <a:t>01/03/2017</a:t>
             </a:fld>
             <a:endParaRPr lang="pt-BR"/>
           </a:p>
@@ -1622,7 +1622,7 @@
           <a:p>
             <a:fld id="{79E85DB4-D0BA-4C6B-8116-EEB1DFA3B85C}" type="datetime1">
               <a:rPr lang="pt-BR" smtClean="0"/>
-              <a:t>28/02/2017</a:t>
+              <a:t>01/03/2017</a:t>
             </a:fld>
             <a:endParaRPr lang="pt-BR"/>
           </a:p>
@@ -1986,7 +1986,7 @@
           <a:p>
             <a:fld id="{08E20FB8-B042-44B3-9E05-B78D174D01C5}" type="datetime1">
               <a:rPr lang="pt-BR" smtClean="0"/>
-              <a:t>28/02/2017</a:t>
+              <a:t>01/03/2017</a:t>
             </a:fld>
             <a:endParaRPr lang="pt-BR"/>
           </a:p>
@@ -2103,7 +2103,7 @@
           <a:p>
             <a:fld id="{99F85B46-395F-42C0-927D-F2306804E1B9}" type="datetime1">
               <a:rPr lang="pt-BR" smtClean="0"/>
-              <a:t>28/02/2017</a:t>
+              <a:t>01/03/2017</a:t>
             </a:fld>
             <a:endParaRPr lang="pt-BR"/>
           </a:p>
@@ -2198,7 +2198,7 @@
           <a:p>
             <a:fld id="{C229D78D-42BB-4047-9809-3F99346974D1}" type="datetime1">
               <a:rPr lang="pt-BR" smtClean="0"/>
-              <a:t>28/02/2017</a:t>
+              <a:t>01/03/2017</a:t>
             </a:fld>
             <a:endParaRPr lang="pt-BR"/>
           </a:p>
@@ -2473,7 +2473,7 @@
           <a:p>
             <a:fld id="{EB51D9D5-BAE2-465E-B6F9-B55B1C4BDDCB}" type="datetime1">
               <a:rPr lang="pt-BR" smtClean="0"/>
-              <a:t>28/02/2017</a:t>
+              <a:t>01/03/2017</a:t>
             </a:fld>
             <a:endParaRPr lang="pt-BR"/>
           </a:p>
@@ -2725,7 +2725,7 @@
           <a:p>
             <a:fld id="{B0F88689-79CD-4D92-B72F-897D1EE636FF}" type="datetime1">
               <a:rPr lang="pt-BR" smtClean="0"/>
-              <a:t>28/02/2017</a:t>
+              <a:t>01/03/2017</a:t>
             </a:fld>
             <a:endParaRPr lang="pt-BR"/>
           </a:p>
@@ -2936,7 +2936,7 @@
           <a:p>
             <a:fld id="{5A1D52BF-6E9E-4F33-986C-109115F3F333}" type="datetime1">
               <a:rPr lang="pt-BR" smtClean="0"/>
-              <a:t>28/02/2017</a:t>
+              <a:t>01/03/2017</a:t>
             </a:fld>
             <a:endParaRPr lang="pt-BR"/>
           </a:p>
@@ -4616,8 +4616,16 @@
           <a:lstStyle/>
           <a:p>
             <a:pPr lvl="0"/>
+            <a:endParaRPr lang="pt-BR" sz="2200" dirty="0">
+              <a:solidFill>
+                <a:prstClr val="black"/>
+              </a:solidFill>
+            </a:endParaRPr>
+          </a:p>
+          <a:p>
+            <a:pPr lvl="0"/>
             <a:r>
-              <a:rPr lang="pt-BR" dirty="0">
+              <a:rPr lang="pt-BR" sz="2200" dirty="0">
                 <a:solidFill>
                   <a:prstClr val="black"/>
                 </a:solidFill>
@@ -4628,7 +4636,7 @@
           <a:p>
             <a:pPr lvl="1"/>
             <a:r>
-              <a:rPr lang="pt-BR" dirty="0">
+              <a:rPr lang="pt-BR" sz="2200" dirty="0">
                 <a:solidFill>
                   <a:prstClr val="black"/>
                 </a:solidFill>
@@ -4639,7 +4647,7 @@
           <a:p>
             <a:pPr lvl="1"/>
             <a:r>
-              <a:rPr lang="pt-BR" dirty="0">
+              <a:rPr lang="pt-BR" sz="2200" dirty="0">
                 <a:solidFill>
                   <a:prstClr val="black"/>
                 </a:solidFill>
@@ -4647,14 +4655,14 @@
               <a:t>Conversores </a:t>
             </a:r>
             <a:r>
-              <a:rPr lang="pt-BR" dirty="0" err="1">
+              <a:rPr lang="pt-BR" sz="2200" dirty="0" err="1">
                 <a:solidFill>
                   <a:prstClr val="black"/>
                 </a:solidFill>
               </a:rPr>
               <a:t>multipulso</a:t>
             </a:r>
-            <a:endParaRPr lang="pt-BR" dirty="0">
+            <a:endParaRPr lang="pt-BR" sz="2200" dirty="0">
               <a:solidFill>
                 <a:prstClr val="black"/>
               </a:solidFill>
@@ -4662,8 +4670,16 @@
           </a:p>
           <a:p>
             <a:pPr lvl="0"/>
+            <a:endParaRPr lang="pt-BR" sz="2200" dirty="0">
+              <a:solidFill>
+                <a:prstClr val="black"/>
+              </a:solidFill>
+            </a:endParaRPr>
+          </a:p>
+          <a:p>
+            <a:pPr lvl="0"/>
             <a:r>
-              <a:rPr lang="pt-BR" dirty="0">
+              <a:rPr lang="pt-BR" sz="2200" dirty="0">
                 <a:solidFill>
                   <a:prstClr val="black"/>
                 </a:solidFill>
@@ -4674,7 +4690,7 @@
           <a:p>
             <a:pPr lvl="1"/>
             <a:r>
-              <a:rPr lang="pt-BR" dirty="0">
+              <a:rPr lang="pt-BR" sz="2200" dirty="0">
                 <a:solidFill>
                   <a:prstClr val="black"/>
                 </a:solidFill>
@@ -4687,7 +4703,7 @@
               <a:buNone/>
             </a:pPr>
             <a:r>
-              <a:rPr lang="pt-BR" dirty="0">
+              <a:rPr lang="pt-BR" sz="2200" dirty="0">
                 <a:solidFill>
                   <a:prstClr val="black"/>
                 </a:solidFill>
@@ -4698,7 +4714,7 @@
           <a:p>
             <a:pPr lvl="1"/>
             <a:r>
-              <a:rPr lang="pt-BR" b="1" dirty="0">
+              <a:rPr lang="pt-BR" sz="2200" b="1" dirty="0">
                 <a:solidFill>
                   <a:prstClr val="black"/>
                 </a:solidFill>
@@ -5444,7 +5460,7 @@
         </p:blipFill>
         <p:spPr>
           <a:xfrm>
-            <a:off x="5143501" y="3288895"/>
+            <a:off x="5273278" y="3524499"/>
             <a:ext cx="3194844" cy="2962680"/>
           </a:xfrm>
           <a:prstGeom prst="rect">
@@ -17956,16 +17972,10 @@
                   <a:prstClr val="black"/>
                 </a:solidFill>
               </a:rPr>
-              <a:t>3 </a:t>
+              <a:t>Sistema de geração e distribuição de uma aeronave de transporte civil com uma média de 100 passageiros.</a:t>
             </a:r>
-            <a:r>
-              <a:rPr lang="pt-BR" sz="2000" dirty="0" err="1">
-                <a:solidFill>
-                  <a:prstClr val="black"/>
-                </a:solidFill>
-              </a:rPr>
-              <a:t>EHAs</a:t>
-            </a:r>
+          </a:p>
+          <a:p>
             <a:endParaRPr lang="pt-BR" sz="2000" dirty="0">
               <a:solidFill>
                 <a:prstClr val="black"/>
@@ -17979,17 +17989,49 @@
                   <a:prstClr val="black"/>
                 </a:solidFill>
               </a:rPr>
-              <a:t>Aeronave do tamanho comercial de 100 passageiros </a:t>
+              <a:t>Simulação visa verificar o comportamento apenas da iteração do sistema de geração e distribuição com cargas não lineares</a:t>
             </a:r>
           </a:p>
           <a:p>
+            <a:endParaRPr lang="pt-BR" sz="2000" dirty="0">
+              <a:solidFill>
+                <a:prstClr val="black"/>
+              </a:solidFill>
+            </a:endParaRPr>
+          </a:p>
+          <a:p>
+            <a:r>
+              <a:rPr lang="pt-BR" sz="2000" dirty="0">
+                <a:solidFill>
+                  <a:prstClr val="black"/>
+                </a:solidFill>
+              </a:rPr>
+              <a:t>Apenas um canal de geração é simulado (1 gerador)</a:t>
+            </a:r>
+          </a:p>
+          <a:p>
+            <a:endParaRPr lang="pt-BR" sz="2000" dirty="0">
+              <a:solidFill>
+                <a:prstClr val="black"/>
+              </a:solidFill>
+            </a:endParaRPr>
+          </a:p>
+          <a:p>
+            <a:r>
+              <a:rPr lang="pt-BR" sz="2000" dirty="0">
+                <a:solidFill>
+                  <a:prstClr val="black"/>
+                </a:solidFill>
+              </a:rPr>
+              <a:t>3 </a:t>
+            </a:r>
             <a:r>
               <a:rPr lang="pt-BR" sz="2000" dirty="0" err="1">
                 <a:solidFill>
                   <a:prstClr val="black"/>
                 </a:solidFill>
               </a:rPr>
-              <a:t>Etc</a:t>
+              <a:t>EHAs</a:t>
             </a:r>
             <a:r>
               <a:rPr lang="pt-BR" sz="2000" dirty="0">
@@ -17997,7 +18039,24 @@
                   <a:prstClr val="black"/>
                 </a:solidFill>
               </a:rPr>
-              <a:t> (LER o BAGULHO)</a:t>
+              <a:t> operando simultaneamente sob mesmo regime de carregamento</a:t>
+            </a:r>
+          </a:p>
+          <a:p>
+            <a:endParaRPr lang="pt-BR" sz="2000" dirty="0">
+              <a:solidFill>
+                <a:prstClr val="black"/>
+              </a:solidFill>
+            </a:endParaRPr>
+          </a:p>
+          <a:p>
+            <a:r>
+              <a:rPr lang="pt-BR" sz="2000" dirty="0">
+                <a:solidFill>
+                  <a:prstClr val="black"/>
+                </a:solidFill>
+              </a:rPr>
+              <a:t>Cada EHA possui um filtro ativo em sua entrada</a:t>
             </a:r>
           </a:p>
           <a:p>
@@ -26062,8 +26121,8 @@
         </p:nvSpPr>
         <p:spPr>
           <a:xfrm>
-            <a:off x="3732687" y="1892492"/>
-            <a:ext cx="720043" cy="952065"/>
+            <a:off x="3726713" y="1892492"/>
+            <a:ext cx="726018" cy="952065"/>
           </a:xfrm>
           <a:prstGeom prst="rect">
             <a:avLst/>
@@ -29164,10 +29223,16 @@
           </a:bodyPr>
           <a:lstStyle/>
           <a:p>
+            <a:endParaRPr lang="pt-BR" sz="2000" dirty="0"/>
+          </a:p>
+          <a:p>
             <a:r>
               <a:rPr lang="pt-BR" sz="2000" dirty="0"/>
-              <a:t>O filtro operou como esperado, deixando a resposta dentro das normas aeronáuticas</a:t>
+              <a:t>O filtro operou como esperado, deixando a resposta dentro das normas aeronáuticas para qualquer condição de operação</a:t>
             </a:r>
+          </a:p>
+          <a:p>
+            <a:endParaRPr lang="pt-BR" sz="2000" dirty="0"/>
           </a:p>
           <a:p>
             <a:r>
@@ -29176,10 +29241,27 @@
             </a:r>
           </a:p>
           <a:p>
+            <a:endParaRPr lang="pt-BR" sz="2000" dirty="0"/>
+          </a:p>
+          <a:p>
             <a:r>
               <a:rPr lang="pt-BR" sz="2000" dirty="0"/>
-              <a:t>Houve a constatação que sem carga ou com baixa carga houve a degradação da qualidade de energia</a:t>
+              <a:t>Sem ou com baixa carga houve a degradação da qualidade de energia</a:t>
             </a:r>
+          </a:p>
+          <a:p>
+            <a:endParaRPr lang="pt-BR" sz="2000" dirty="0"/>
+          </a:p>
+          <a:p>
+            <a:r>
+              <a:rPr lang="pt-BR" sz="2000" dirty="0"/>
+              <a:t>Perdas nos semicondutores fazem com que a operação do filtro requer potência para qualquer condição </a:t>
+            </a:r>
+            <a:r>
+              <a:rPr lang="pt-BR" sz="2000"/>
+              <a:t>de operação</a:t>
+            </a:r>
+            <a:endParaRPr lang="pt-BR" sz="2000" dirty="0"/>
           </a:p>
           <a:p>
             <a:endParaRPr lang="pt-BR" sz="1600" i="1" dirty="0">
@@ -33249,20 +33331,53 @@
           <a:bodyPr/>
           <a:lstStyle/>
           <a:p>
+            <a:endParaRPr lang="pt-BR" sz="2200" dirty="0">
+              <a:solidFill>
+                <a:prstClr val="black"/>
+              </a:solidFill>
+            </a:endParaRPr>
+          </a:p>
+          <a:p>
             <a:r>
-              <a:rPr lang="pt-BR" dirty="0"/>
+              <a:rPr lang="pt-BR" sz="2200" dirty="0">
+                <a:solidFill>
+                  <a:prstClr val="black"/>
+                </a:solidFill>
+              </a:rPr>
               <a:t>Promover um estudo sobre diversas topologias de correção de fator de potência</a:t>
             </a:r>
           </a:p>
           <a:p>
+            <a:endParaRPr lang="pt-BR" sz="2200" dirty="0">
+              <a:solidFill>
+                <a:prstClr val="black"/>
+              </a:solidFill>
+            </a:endParaRPr>
+          </a:p>
+          <a:p>
             <a:r>
-              <a:rPr lang="pt-BR" dirty="0"/>
+              <a:rPr lang="pt-BR" sz="2200" dirty="0">
+                <a:solidFill>
+                  <a:prstClr val="black"/>
+                </a:solidFill>
+              </a:rPr>
               <a:t>Aprofundar o estudo na teoria das potências instantâneas</a:t>
             </a:r>
           </a:p>
           <a:p>
+            <a:endParaRPr lang="pt-BR" sz="2200" dirty="0">
+              <a:solidFill>
+                <a:prstClr val="black"/>
+              </a:solidFill>
+            </a:endParaRPr>
+          </a:p>
+          <a:p>
             <a:r>
-              <a:rPr lang="pt-BR" dirty="0"/>
+              <a:rPr lang="pt-BR" sz="2200" dirty="0">
+                <a:solidFill>
+                  <a:prstClr val="black"/>
+                </a:solidFill>
+              </a:rPr>
               <a:t>Viabilizar o conceito dos filtros ativos em sistemas elétricos aeronáuticos</a:t>
             </a:r>
           </a:p>
@@ -34061,20 +34176,53 @@
           <a:bodyPr/>
           <a:lstStyle/>
           <a:p>
+            <a:endParaRPr lang="pt-BR" sz="2200" dirty="0">
+              <a:solidFill>
+                <a:prstClr val="black"/>
+              </a:solidFill>
+            </a:endParaRPr>
+          </a:p>
+          <a:p>
             <a:r>
-              <a:rPr lang="pt-BR" dirty="0"/>
+              <a:rPr lang="pt-BR" sz="2200" dirty="0">
+                <a:solidFill>
+                  <a:prstClr val="black"/>
+                </a:solidFill>
+              </a:rPr>
               <a:t>Desenvolver uma simulação com a inclusão de filtros ativos em cargas não lineares</a:t>
             </a:r>
           </a:p>
           <a:p>
+            <a:endParaRPr lang="pt-BR" sz="2200" dirty="0">
+              <a:solidFill>
+                <a:prstClr val="black"/>
+              </a:solidFill>
+            </a:endParaRPr>
+          </a:p>
+          <a:p>
             <a:r>
-              <a:rPr lang="pt-BR" dirty="0"/>
+              <a:rPr lang="pt-BR" sz="2200" dirty="0">
+                <a:solidFill>
+                  <a:prstClr val="black"/>
+                </a:solidFill>
+              </a:rPr>
               <a:t>Promover um sistema de correção de fator de potência</a:t>
             </a:r>
           </a:p>
           <a:p>
+            <a:endParaRPr lang="pt-BR" sz="2200" dirty="0">
+              <a:solidFill>
+                <a:prstClr val="black"/>
+              </a:solidFill>
+            </a:endParaRPr>
+          </a:p>
+          <a:p>
             <a:r>
-              <a:rPr lang="pt-BR" dirty="0"/>
+              <a:rPr lang="pt-BR" sz="2200" dirty="0">
+                <a:solidFill>
+                  <a:prstClr val="black"/>
+                </a:solidFill>
+              </a:rPr>
               <a:t>Garantir a manutenção das tensões dentro das normas aeronáuticas no que tange qualidade de energia</a:t>
             </a:r>
           </a:p>
@@ -34871,8 +35019,16 @@
           <a:lstStyle/>
           <a:p>
             <a:pPr lvl="0"/>
+            <a:endParaRPr lang="pt-BR" sz="2200" dirty="0">
+              <a:solidFill>
+                <a:prstClr val="black"/>
+              </a:solidFill>
+            </a:endParaRPr>
+          </a:p>
+          <a:p>
+            <a:pPr lvl="0"/>
             <a:r>
-              <a:rPr lang="pt-BR" dirty="0">
+              <a:rPr lang="pt-BR" sz="2200" dirty="0">
                 <a:solidFill>
                   <a:prstClr val="black"/>
                 </a:solidFill>
@@ -34883,7 +35039,7 @@
           <a:p>
             <a:pPr lvl="1"/>
             <a:r>
-              <a:rPr lang="pt-BR" b="1" dirty="0">
+              <a:rPr lang="pt-BR" sz="2200" b="1" dirty="0">
                 <a:solidFill>
                   <a:prstClr val="black"/>
                 </a:solidFill>
@@ -34894,7 +35050,7 @@
           <a:p>
             <a:pPr lvl="1"/>
             <a:r>
-              <a:rPr lang="pt-BR" dirty="0">
+              <a:rPr lang="pt-BR" sz="2200" dirty="0">
                 <a:solidFill>
                   <a:prstClr val="black"/>
                 </a:solidFill>
@@ -34902,14 +35058,14 @@
               <a:t>Conversores </a:t>
             </a:r>
             <a:r>
-              <a:rPr lang="pt-BR" dirty="0" err="1">
+              <a:rPr lang="pt-BR" sz="2200" dirty="0" err="1">
                 <a:solidFill>
                   <a:prstClr val="black"/>
                 </a:solidFill>
               </a:rPr>
               <a:t>multipulso</a:t>
             </a:r>
-            <a:endParaRPr lang="pt-BR" dirty="0">
+            <a:endParaRPr lang="pt-BR" sz="2200" dirty="0">
               <a:solidFill>
                 <a:prstClr val="black"/>
               </a:solidFill>
@@ -34917,8 +35073,16 @@
           </a:p>
           <a:p>
             <a:pPr lvl="0"/>
+            <a:endParaRPr lang="pt-BR" sz="2200" dirty="0">
+              <a:solidFill>
+                <a:prstClr val="black"/>
+              </a:solidFill>
+            </a:endParaRPr>
+          </a:p>
+          <a:p>
+            <a:pPr lvl="0"/>
             <a:r>
-              <a:rPr lang="pt-BR" dirty="0">
+              <a:rPr lang="pt-BR" sz="2200" dirty="0">
                 <a:solidFill>
                   <a:prstClr val="black"/>
                 </a:solidFill>
@@ -34929,7 +35093,7 @@
           <a:p>
             <a:pPr lvl="1"/>
             <a:r>
-              <a:rPr lang="pt-BR" dirty="0">
+              <a:rPr lang="pt-BR" sz="2200" dirty="0">
                 <a:solidFill>
                   <a:prstClr val="black"/>
                 </a:solidFill>
@@ -34942,7 +35106,7 @@
               <a:buNone/>
             </a:pPr>
             <a:r>
-              <a:rPr lang="pt-BR" dirty="0">
+              <a:rPr lang="pt-BR" sz="2200" dirty="0">
                 <a:solidFill>
                   <a:prstClr val="black"/>
                 </a:solidFill>
@@ -34953,7 +35117,7 @@
           <a:p>
             <a:pPr lvl="1"/>
             <a:r>
-              <a:rPr lang="pt-BR" dirty="0">
+              <a:rPr lang="pt-BR" sz="2200" dirty="0">
                 <a:solidFill>
                   <a:prstClr val="black"/>
                 </a:solidFill>
@@ -35699,7 +35863,7 @@
         </p:blipFill>
         <p:spPr>
           <a:xfrm>
-            <a:off x="5168106" y="1618314"/>
+            <a:off x="5168106" y="1802429"/>
             <a:ext cx="3429000" cy="1928812"/>
           </a:xfrm>
           <a:prstGeom prst="rect">
@@ -35787,8 +35951,16 @@
           <a:lstStyle/>
           <a:p>
             <a:pPr lvl="0"/>
+            <a:endParaRPr lang="pt-BR" sz="2200" dirty="0">
+              <a:solidFill>
+                <a:prstClr val="black"/>
+              </a:solidFill>
+            </a:endParaRPr>
+          </a:p>
+          <a:p>
+            <a:pPr lvl="0"/>
             <a:r>
-              <a:rPr lang="pt-BR" dirty="0">
+              <a:rPr lang="pt-BR" sz="2200" dirty="0">
                 <a:solidFill>
                   <a:prstClr val="black"/>
                 </a:solidFill>
@@ -35799,7 +35971,7 @@
           <a:p>
             <a:pPr lvl="1"/>
             <a:r>
-              <a:rPr lang="pt-BR" dirty="0">
+              <a:rPr lang="pt-BR" sz="2200" dirty="0">
                 <a:solidFill>
                   <a:prstClr val="black"/>
                 </a:solidFill>
@@ -35810,7 +35982,7 @@
           <a:p>
             <a:pPr lvl="1"/>
             <a:r>
-              <a:rPr lang="pt-BR" b="1" dirty="0">
+              <a:rPr lang="pt-BR" sz="2200" b="1" dirty="0">
                 <a:solidFill>
                   <a:prstClr val="black"/>
                 </a:solidFill>
@@ -35818,14 +35990,14 @@
               <a:t>Conversores </a:t>
             </a:r>
             <a:r>
-              <a:rPr lang="pt-BR" b="1" dirty="0" err="1">
+              <a:rPr lang="pt-BR" sz="2200" b="1" dirty="0" err="1">
                 <a:solidFill>
                   <a:prstClr val="black"/>
                 </a:solidFill>
               </a:rPr>
               <a:t>multipulso</a:t>
             </a:r>
-            <a:endParaRPr lang="pt-BR" b="1" dirty="0">
+            <a:endParaRPr lang="pt-BR" sz="2200" b="1" dirty="0">
               <a:solidFill>
                 <a:prstClr val="black"/>
               </a:solidFill>
@@ -35833,8 +36005,16 @@
           </a:p>
           <a:p>
             <a:pPr lvl="0"/>
+            <a:endParaRPr lang="pt-BR" sz="2200" dirty="0">
+              <a:solidFill>
+                <a:prstClr val="black"/>
+              </a:solidFill>
+            </a:endParaRPr>
+          </a:p>
+          <a:p>
+            <a:pPr lvl="0"/>
             <a:r>
-              <a:rPr lang="pt-BR" dirty="0">
+              <a:rPr lang="pt-BR" sz="2200" dirty="0">
                 <a:solidFill>
                   <a:prstClr val="black"/>
                 </a:solidFill>
@@ -35845,7 +36025,7 @@
           <a:p>
             <a:pPr lvl="1"/>
             <a:r>
-              <a:rPr lang="pt-BR" dirty="0">
+              <a:rPr lang="pt-BR" sz="2200" dirty="0">
                 <a:solidFill>
                   <a:prstClr val="black"/>
                 </a:solidFill>
@@ -35858,7 +36038,7 @@
               <a:buNone/>
             </a:pPr>
             <a:r>
-              <a:rPr lang="pt-BR" dirty="0">
+              <a:rPr lang="pt-BR" sz="2200" dirty="0">
                 <a:solidFill>
                   <a:prstClr val="black"/>
                 </a:solidFill>
@@ -35869,7 +36049,7 @@
           <a:p>
             <a:pPr lvl="1"/>
             <a:r>
-              <a:rPr lang="pt-BR" dirty="0">
+              <a:rPr lang="pt-BR" sz="2200" dirty="0">
                 <a:solidFill>
                   <a:prstClr val="black"/>
                 </a:solidFill>
@@ -36615,7 +36795,7 @@
         </p:blipFill>
         <p:spPr>
           <a:xfrm>
-            <a:off x="4994005" y="1560025"/>
+            <a:off x="5310964" y="1685437"/>
             <a:ext cx="3286142" cy="2674436"/>
           </a:xfrm>
           <a:prstGeom prst="rect">
@@ -36703,8 +36883,16 @@
           <a:lstStyle/>
           <a:p>
             <a:pPr lvl="0"/>
+            <a:endParaRPr lang="pt-BR" sz="2200" dirty="0">
+              <a:solidFill>
+                <a:prstClr val="black"/>
+              </a:solidFill>
+            </a:endParaRPr>
+          </a:p>
+          <a:p>
+            <a:pPr lvl="0"/>
             <a:r>
-              <a:rPr lang="pt-BR" dirty="0">
+              <a:rPr lang="pt-BR" sz="2200" dirty="0">
                 <a:solidFill>
                   <a:prstClr val="black"/>
                 </a:solidFill>
@@ -36715,7 +36903,7 @@
           <a:p>
             <a:pPr lvl="1"/>
             <a:r>
-              <a:rPr lang="pt-BR" dirty="0">
+              <a:rPr lang="pt-BR" sz="2200" dirty="0">
                 <a:solidFill>
                   <a:prstClr val="black"/>
                 </a:solidFill>
@@ -36726,7 +36914,7 @@
           <a:p>
             <a:pPr lvl="1"/>
             <a:r>
-              <a:rPr lang="pt-BR" dirty="0">
+              <a:rPr lang="pt-BR" sz="2200" dirty="0">
                 <a:solidFill>
                   <a:prstClr val="black"/>
                 </a:solidFill>
@@ -36734,14 +36922,14 @@
               <a:t>Conversores </a:t>
             </a:r>
             <a:r>
-              <a:rPr lang="pt-BR" dirty="0" err="1">
+              <a:rPr lang="pt-BR" sz="2200" dirty="0" err="1">
                 <a:solidFill>
                   <a:prstClr val="black"/>
                 </a:solidFill>
               </a:rPr>
               <a:t>multipulso</a:t>
             </a:r>
-            <a:endParaRPr lang="pt-BR" dirty="0">
+            <a:endParaRPr lang="pt-BR" sz="2200" dirty="0">
               <a:solidFill>
                 <a:prstClr val="black"/>
               </a:solidFill>
@@ -36749,8 +36937,16 @@
           </a:p>
           <a:p>
             <a:pPr lvl="0"/>
+            <a:endParaRPr lang="pt-BR" sz="2200" dirty="0">
+              <a:solidFill>
+                <a:prstClr val="black"/>
+              </a:solidFill>
+            </a:endParaRPr>
+          </a:p>
+          <a:p>
+            <a:pPr lvl="0"/>
             <a:r>
-              <a:rPr lang="pt-BR" dirty="0">
+              <a:rPr lang="pt-BR" sz="2200" dirty="0">
                 <a:solidFill>
                   <a:prstClr val="black"/>
                 </a:solidFill>
@@ -36761,7 +36957,7 @@
           <a:p>
             <a:pPr lvl="1"/>
             <a:r>
-              <a:rPr lang="pt-BR" b="1" dirty="0">
+              <a:rPr lang="pt-BR" sz="2200" b="1" dirty="0">
                 <a:solidFill>
                   <a:prstClr val="black"/>
                 </a:solidFill>
@@ -36774,7 +36970,7 @@
               <a:buNone/>
             </a:pPr>
             <a:r>
-              <a:rPr lang="pt-BR" b="1" dirty="0">
+              <a:rPr lang="pt-BR" sz="2200" b="1" dirty="0">
                 <a:solidFill>
                   <a:prstClr val="black"/>
                 </a:solidFill>
@@ -36785,7 +36981,7 @@
           <a:p>
             <a:pPr lvl="1"/>
             <a:r>
-              <a:rPr lang="pt-BR" dirty="0">
+              <a:rPr lang="pt-BR" sz="2200" dirty="0">
                 <a:solidFill>
                   <a:prstClr val="black"/>
                 </a:solidFill>
@@ -37531,7 +37727,7 @@
         </p:blipFill>
         <p:spPr>
           <a:xfrm>
-            <a:off x="5156549" y="2523207"/>
+            <a:off x="5156549" y="2904871"/>
             <a:ext cx="3052321" cy="1699173"/>
           </a:xfrm>
           <a:prstGeom prst="rect">
@@ -37555,7 +37751,7 @@
         </p:blipFill>
         <p:spPr>
           <a:xfrm>
-            <a:off x="5068379" y="4399830"/>
+            <a:off x="5068379" y="4781494"/>
             <a:ext cx="3446972" cy="1302470"/>
           </a:xfrm>
           <a:prstGeom prst="rect">
